--- a/slides-ru/main_ru.pptx
+++ b/slides-ru/main_ru.pptx
@@ -3114,7 +3114,7 @@
           <a:p>
             <a:fld id="{71209149-285B-44A0-A616-FB1BF5696CEE}" type="datetimeFigureOut">
               <a:rPr lang="ru-RU" smtClean="0"/>
-              <a:t>18.12.2022</a:t>
+              <a:t>19.12.2022</a:t>
             </a:fld>
             <a:endParaRPr lang="ru-RU"/>
           </a:p>
@@ -3528,7 +3528,7 @@
           <a:p>
             <a:fld id="{C7AF0E36-D03B-49EC-BB36-EE98C90B008D}" type="datetimeFigureOut">
               <a:rPr lang="ru-RU" smtClean="0"/>
-              <a:t>18.12.2022</a:t>
+              <a:t>19.12.2022</a:t>
             </a:fld>
             <a:endParaRPr lang="ru-RU"/>
           </a:p>
@@ -3726,7 +3726,7 @@
           <a:p>
             <a:fld id="{C7AF0E36-D03B-49EC-BB36-EE98C90B008D}" type="datetimeFigureOut">
               <a:rPr lang="ru-RU" smtClean="0"/>
-              <a:t>18.12.2022</a:t>
+              <a:t>19.12.2022</a:t>
             </a:fld>
             <a:endParaRPr lang="ru-RU"/>
           </a:p>
@@ -3934,7 +3934,7 @@
           <a:p>
             <a:fld id="{C7AF0E36-D03B-49EC-BB36-EE98C90B008D}" type="datetimeFigureOut">
               <a:rPr lang="ru-RU" smtClean="0"/>
-              <a:t>18.12.2022</a:t>
+              <a:t>19.12.2022</a:t>
             </a:fld>
             <a:endParaRPr lang="ru-RU"/>
           </a:p>
@@ -4132,7 +4132,7 @@
           <a:p>
             <a:fld id="{C7AF0E36-D03B-49EC-BB36-EE98C90B008D}" type="datetimeFigureOut">
               <a:rPr lang="ru-RU" smtClean="0"/>
-              <a:t>18.12.2022</a:t>
+              <a:t>19.12.2022</a:t>
             </a:fld>
             <a:endParaRPr lang="ru-RU"/>
           </a:p>
@@ -4407,7 +4407,7 @@
           <a:p>
             <a:fld id="{C7AF0E36-D03B-49EC-BB36-EE98C90B008D}" type="datetimeFigureOut">
               <a:rPr lang="ru-RU" smtClean="0"/>
-              <a:t>18.12.2022</a:t>
+              <a:t>19.12.2022</a:t>
             </a:fld>
             <a:endParaRPr lang="ru-RU"/>
           </a:p>
@@ -4672,7 +4672,7 @@
           <a:p>
             <a:fld id="{C7AF0E36-D03B-49EC-BB36-EE98C90B008D}" type="datetimeFigureOut">
               <a:rPr lang="ru-RU" smtClean="0"/>
-              <a:t>18.12.2022</a:t>
+              <a:t>19.12.2022</a:t>
             </a:fld>
             <a:endParaRPr lang="ru-RU"/>
           </a:p>
@@ -5084,7 +5084,7 @@
           <a:p>
             <a:fld id="{C7AF0E36-D03B-49EC-BB36-EE98C90B008D}" type="datetimeFigureOut">
               <a:rPr lang="ru-RU" smtClean="0"/>
-              <a:t>18.12.2022</a:t>
+              <a:t>19.12.2022</a:t>
             </a:fld>
             <a:endParaRPr lang="ru-RU"/>
           </a:p>
@@ -5225,7 +5225,7 @@
           <a:p>
             <a:fld id="{C7AF0E36-D03B-49EC-BB36-EE98C90B008D}" type="datetimeFigureOut">
               <a:rPr lang="ru-RU" smtClean="0"/>
-              <a:t>18.12.2022</a:t>
+              <a:t>19.12.2022</a:t>
             </a:fld>
             <a:endParaRPr lang="ru-RU"/>
           </a:p>
@@ -5338,7 +5338,7 @@
           <a:p>
             <a:fld id="{C7AF0E36-D03B-49EC-BB36-EE98C90B008D}" type="datetimeFigureOut">
               <a:rPr lang="ru-RU" smtClean="0"/>
-              <a:t>18.12.2022</a:t>
+              <a:t>19.12.2022</a:t>
             </a:fld>
             <a:endParaRPr lang="ru-RU"/>
           </a:p>
@@ -5649,7 +5649,7 @@
           <a:p>
             <a:fld id="{C7AF0E36-D03B-49EC-BB36-EE98C90B008D}" type="datetimeFigureOut">
               <a:rPr lang="ru-RU" smtClean="0"/>
-              <a:t>18.12.2022</a:t>
+              <a:t>19.12.2022</a:t>
             </a:fld>
             <a:endParaRPr lang="ru-RU"/>
           </a:p>
@@ -5937,7 +5937,7 @@
           <a:p>
             <a:fld id="{C7AF0E36-D03B-49EC-BB36-EE98C90B008D}" type="datetimeFigureOut">
               <a:rPr lang="ru-RU" smtClean="0"/>
-              <a:t>18.12.2022</a:t>
+              <a:t>19.12.2022</a:t>
             </a:fld>
             <a:endParaRPr lang="ru-RU"/>
           </a:p>
@@ -6178,7 +6178,7 @@
           <a:p>
             <a:fld id="{C7AF0E36-D03B-49EC-BB36-EE98C90B008D}" type="datetimeFigureOut">
               <a:rPr lang="ru-RU" smtClean="0"/>
-              <a:t>18.12.2022</a:t>
+              <a:t>19.12.2022</a:t>
             </a:fld>
             <a:endParaRPr lang="ru-RU"/>
           </a:p>
@@ -6645,8 +6645,13 @@
             <a:pPr algn="ctr"/>
             <a:r>
               <a:rPr lang="ru-RU" sz="5600" b="1" dirty="0"/>
-              <a:t>СИСТЕМЫ ПРОГРАММИРОВАНИЯ</a:t>
-            </a:r>
+              <a:t>ЯЗЫК ПРОГРАММИРОВАНИЯ </a:t>
+            </a:r>
+            <a:r>
+              <a:rPr lang="en-US" sz="5600" b="1" dirty="0"/>
+              <a:t>C#</a:t>
+            </a:r>
+            <a:endParaRPr lang="ru-RU" sz="5600" b="1" dirty="0"/>
           </a:p>
         </p:txBody>
       </p:sp>
@@ -22658,7 +22663,19 @@
             </a:r>
             <a:r>
               <a:rPr lang="ru-RU" b="1" dirty="0"/>
-              <a:t> и репозиторий по выше приведенным слайдам</a:t>
+              <a:t> и репозиторий с названием «</a:t>
+            </a:r>
+            <a:r>
+              <a:rPr lang="en-US" b="1" dirty="0" err="1"/>
+              <a:t>CSh</a:t>
+            </a:r>
+            <a:r>
+              <a:rPr lang="en-US" b="1" dirty="0"/>
+              <a:t>-</a:t>
+            </a:r>
+            <a:r>
+              <a:rPr lang="ru-RU" b="1" dirty="0"/>
+              <a:t>ваша фамилия»</a:t>
             </a:r>
             <a:r>
               <a:rPr lang="ru-RU" dirty="0"/>
@@ -22718,6 +22735,7 @@
               <a:rPr lang="en-US" dirty="0"/>
               <a:t>;</a:t>
             </a:r>
+            <a:endParaRPr lang="ru-RU" dirty="0"/>
           </a:p>
           <a:p>
             <a:pPr marL="514350" indent="-514350">
@@ -22725,12 +22743,27 @@
               <a:buAutoNum type="arabicPeriod"/>
             </a:pPr>
             <a:r>
-              <a:rPr lang="ru-RU" b="1" dirty="0">
-                <a:solidFill>
-                  <a:srgbClr val="C00000"/>
-                </a:solidFill>
-              </a:rPr>
-              <a:t>ВЫУЧИТЬ ЭТУ ИНФОРМАЦИЮ </a:t>
+              <a:rPr lang="ru-RU" dirty="0"/>
+              <a:t>Сделать задание «Калькулятор» более </a:t>
+            </a:r>
+            <a:r>
+              <a:rPr lang="ru-RU" b="1" dirty="0"/>
+              <a:t>сложным</a:t>
+            </a:r>
+            <a:r>
+              <a:rPr lang="ru-RU" dirty="0"/>
+              <a:t>.</a:t>
+            </a:r>
+            <a:endParaRPr lang="en-US" dirty="0"/>
+          </a:p>
+          <a:p>
+            <a:pPr marL="514350" indent="-514350">
+              <a:buFont typeface="+mj-lt"/>
+              <a:buAutoNum type="arabicPeriod"/>
+            </a:pPr>
+            <a:r>
+              <a:rPr lang="ru-RU" b="1" dirty="0"/>
+              <a:t>Выучить эту информацию </a:t>
             </a:r>
             <a:r>
               <a:rPr lang="ru-RU" dirty="0"/>

--- a/slides-ru/main_ru.pptx
+++ b/slides-ru/main_ru.pptx
@@ -5,7 +5,7 @@
     <p:sldMasterId id="2147483648" r:id="rId1"/>
   </p:sldMasterIdLst>
   <p:notesMasterIdLst>
-    <p:notesMasterId r:id="rId54"/>
+    <p:notesMasterId r:id="rId55"/>
   </p:notesMasterIdLst>
   <p:sldIdLst>
     <p:sldId id="256" r:id="rId2"/>
@@ -60,6 +60,7 @@
     <p:sldId id="492" r:id="rId51"/>
     <p:sldId id="493" r:id="rId52"/>
     <p:sldId id="479" r:id="rId53"/>
+    <p:sldId id="494" r:id="rId54"/>
   </p:sldIdLst>
   <p:sldSz cx="12192000" cy="6858000"/>
   <p:notesSz cx="6858000" cy="9144000"/>
@@ -166,7 +167,7 @@
             <p14:sldId id="256"/>
           </p14:sldIdLst>
         </p14:section>
-        <p14:section name="1.1.1. Организационные моменты" id="{DF67E12A-C593-4C9E-832B-87AEC6E5A26B}">
+        <p14:section name="1 Организационные моменты" id="{DF67E12A-C593-4C9E-832B-87AEC6E5A26B}">
           <p14:sldIdLst>
             <p14:sldId id="325"/>
             <p14:sldId id="257"/>
@@ -176,12 +177,20 @@
             <p14:sldId id="264"/>
             <p14:sldId id="259"/>
             <p14:sldId id="260"/>
+          </p14:sldIdLst>
+        </p14:section>
+        <p14:section name="2 Создание проекта" id="{438E94E6-6CBE-4348-92A4-AB0F604F42CE}">
+          <p14:sldIdLst>
             <p14:sldId id="326"/>
             <p14:sldId id="262"/>
             <p14:sldId id="481"/>
             <p14:sldId id="482"/>
             <p14:sldId id="483"/>
             <p14:sldId id="484"/>
+          </p14:sldIdLst>
+        </p14:section>
+        <p14:section name="3 Git" id="{9DB129E3-F4E8-4B9E-A910-62C585BEE614}">
+          <p14:sldIdLst>
             <p14:sldId id="456"/>
             <p14:sldId id="331"/>
             <p14:sldId id="333"/>
@@ -193,6 +202,10 @@
             <p14:sldId id="460"/>
             <p14:sldId id="461"/>
             <p14:sldId id="462"/>
+          </p14:sldIdLst>
+        </p14:section>
+        <p14:section name="4 Github CLI" id="{05D5886A-9E2E-4E83-A514-DC939F0DC69B}">
+          <p14:sldIdLst>
             <p14:sldId id="480"/>
             <p14:sldId id="464"/>
             <p14:sldId id="465"/>
@@ -209,6 +222,10 @@
             <p14:sldId id="476"/>
             <p14:sldId id="477"/>
             <p14:sldId id="478"/>
+          </p14:sldIdLst>
+        </p14:section>
+        <p14:section name="5 Ядро языка" id="{7547E555-9297-478C-BC3D-A6A6B982D70C}">
+          <p14:sldIdLst>
             <p14:sldId id="485"/>
             <p14:sldId id="486"/>
             <p14:sldId id="487"/>
@@ -219,6 +236,11 @@
             <p14:sldId id="492"/>
             <p14:sldId id="493"/>
             <p14:sldId id="479"/>
+          </p14:sldIdLst>
+        </p14:section>
+        <p14:section name="6 Условные выражения, циклы и массивы" id="{5258DB01-9C2C-403E-8BCA-8DD8B04EFA65}">
+          <p14:sldIdLst>
+            <p14:sldId id="494"/>
           </p14:sldIdLst>
         </p14:section>
       </p14:sectionLst>
@@ -19799,7 +19821,7 @@
                   <a:schemeClr val="bg1"/>
                 </a:solidFill>
               </a:rPr>
-              <a:t>42</a:t>
+              <a:t>44</a:t>
             </a:r>
           </a:p>
         </p:txBody>
@@ -20152,7 +20174,7 @@
                   <a:schemeClr val="bg1"/>
                 </a:solidFill>
               </a:rPr>
-              <a:t>42</a:t>
+              <a:t>45</a:t>
             </a:r>
           </a:p>
         </p:txBody>
@@ -20448,7 +20470,7 @@
                   <a:schemeClr val="bg1"/>
                 </a:solidFill>
               </a:rPr>
-              <a:t>42</a:t>
+              <a:t>46</a:t>
             </a:r>
           </a:p>
         </p:txBody>
@@ -20741,7 +20763,7 @@
                   <a:schemeClr val="bg1"/>
                 </a:solidFill>
               </a:rPr>
-              <a:t>42</a:t>
+              <a:t>47</a:t>
             </a:r>
           </a:p>
         </p:txBody>
@@ -21037,7 +21059,7 @@
                   <a:schemeClr val="bg1"/>
                 </a:solidFill>
               </a:rPr>
-              <a:t>42</a:t>
+              <a:t>48</a:t>
             </a:r>
           </a:p>
         </p:txBody>
@@ -21380,7 +21402,7 @@
                   <a:schemeClr val="bg1"/>
                 </a:solidFill>
               </a:rPr>
-              <a:t>42</a:t>
+              <a:t>49</a:t>
             </a:r>
           </a:p>
         </p:txBody>
@@ -21883,7 +21905,7 @@
                   <a:schemeClr val="bg1"/>
                 </a:solidFill>
               </a:rPr>
-              <a:t>42</a:t>
+              <a:t>50</a:t>
             </a:r>
           </a:p>
         </p:txBody>
@@ -22179,7 +22201,7 @@
                   <a:schemeClr val="bg1"/>
                 </a:solidFill>
               </a:rPr>
-              <a:t>42</a:t>
+              <a:t>51</a:t>
             </a:r>
           </a:p>
         </p:txBody>
@@ -22565,18 +22587,13 @@
           <a:p>
             <a:pPr algn="ctr"/>
             <a:r>
-              <a:rPr lang="en-US" sz="4400" b="1" dirty="0">
+              <a:rPr lang="ru-RU" sz="4400" b="1" dirty="0">
                 <a:solidFill>
                   <a:schemeClr val="bg1"/>
                 </a:solidFill>
               </a:rPr>
-              <a:t>59</a:t>
-            </a:r>
-            <a:endParaRPr lang="ru-RU" sz="4400" b="1" dirty="0">
-              <a:solidFill>
-                <a:schemeClr val="bg1"/>
-              </a:solidFill>
-            </a:endParaRPr>
+              <a:t>52</a:t>
+            </a:r>
           </a:p>
         </p:txBody>
       </p:sp>
@@ -22789,6 +22806,295 @@
     <p:extLst>
       <p:ext uri="{BB962C8B-B14F-4D97-AF65-F5344CB8AC3E}">
         <p14:creationId xmlns:p14="http://schemas.microsoft.com/office/powerpoint/2010/main" val="2287362545"/>
+      </p:ext>
+    </p:extLst>
+  </p:cSld>
+  <p:clrMapOvr>
+    <a:masterClrMapping/>
+  </p:clrMapOvr>
+</p:sld>
+</file>
+
+<file path=ppt/slides/slide53.xml><?xml version="1.0" encoding="utf-8"?>
+<p:sld xmlns:a="http://schemas.openxmlformats.org/drawingml/2006/main" xmlns:r="http://schemas.openxmlformats.org/officeDocument/2006/relationships" xmlns:p="http://schemas.openxmlformats.org/presentationml/2006/main">
+  <p:cSld>
+    <p:spTree>
+      <p:nvGrpSpPr>
+        <p:cNvPr id="1" name=""/>
+        <p:cNvGrpSpPr/>
+        <p:nvPr/>
+      </p:nvGrpSpPr>
+      <p:grpSpPr>
+        <a:xfrm>
+          <a:off x="0" y="0"/>
+          <a:ext cx="0" cy="0"/>
+          <a:chOff x="0" y="0"/>
+          <a:chExt cx="0" cy="0"/>
+        </a:xfrm>
+      </p:grpSpPr>
+      <p:sp>
+        <p:nvSpPr>
+          <p:cNvPr id="2" name="Заголовок 1">
+            <a:extLst>
+              <a:ext uri="{FF2B5EF4-FFF2-40B4-BE49-F238E27FC236}">
+                <a16:creationId xmlns:a16="http://schemas.microsoft.com/office/drawing/2014/main" id="{7F475A66-F8C0-48A8-8A94-EBC2D3894B13}"/>
+              </a:ext>
+            </a:extLst>
+          </p:cNvPr>
+          <p:cNvSpPr>
+            <a:spLocks noGrp="1"/>
+          </p:cNvSpPr>
+          <p:nvPr>
+            <p:ph type="title"/>
+          </p:nvPr>
+        </p:nvSpPr>
+        <p:spPr>
+          <a:xfrm>
+            <a:off x="838200" y="365125"/>
+            <a:ext cx="10515600" cy="1325563"/>
+          </a:xfrm>
+          <a:solidFill>
+            <a:srgbClr val="002060"/>
+          </a:solidFill>
+        </p:spPr>
+        <p:txBody>
+          <a:bodyPr/>
+          <a:lstStyle/>
+          <a:p>
+            <a:r>
+              <a:rPr lang="ru-RU" b="1" dirty="0">
+                <a:solidFill>
+                  <a:schemeClr val="bg1"/>
+                </a:solidFill>
+              </a:rPr>
+              <a:t>Условные выражения</a:t>
+            </a:r>
+          </a:p>
+        </p:txBody>
+      </p:sp>
+      <p:sp>
+        <p:nvSpPr>
+          <p:cNvPr id="4" name="Прямоугольник 3">
+            <a:extLst>
+              <a:ext uri="{FF2B5EF4-FFF2-40B4-BE49-F238E27FC236}">
+                <a16:creationId xmlns:a16="http://schemas.microsoft.com/office/drawing/2014/main" id="{42BF5BAD-45EF-42AF-AE54-9BF98E866A90}"/>
+              </a:ext>
+            </a:extLst>
+          </p:cNvPr>
+          <p:cNvSpPr/>
+          <p:nvPr/>
+        </p:nvSpPr>
+        <p:spPr>
+          <a:xfrm>
+            <a:off x="0" y="365125"/>
+            <a:ext cx="838200" cy="1325563"/>
+          </a:xfrm>
+          <a:prstGeom prst="rect">
+            <a:avLst/>
+          </a:prstGeom>
+          <a:solidFill>
+            <a:srgbClr val="002060"/>
+          </a:solidFill>
+          <a:ln>
+            <a:noFill/>
+          </a:ln>
+        </p:spPr>
+        <p:style>
+          <a:lnRef idx="2">
+            <a:schemeClr val="accent1">
+              <a:shade val="50000"/>
+            </a:schemeClr>
+          </a:lnRef>
+          <a:fillRef idx="1">
+            <a:schemeClr val="accent1"/>
+          </a:fillRef>
+          <a:effectRef idx="0">
+            <a:schemeClr val="accent1"/>
+          </a:effectRef>
+          <a:fontRef idx="minor">
+            <a:schemeClr val="lt1"/>
+          </a:fontRef>
+        </p:style>
+        <p:txBody>
+          <a:bodyPr rtlCol="0" anchor="ctr"/>
+          <a:lstStyle/>
+          <a:p>
+            <a:pPr algn="ctr"/>
+            <a:r>
+              <a:rPr lang="ru-RU" sz="4400" b="1" dirty="0">
+                <a:solidFill>
+                  <a:schemeClr val="bg1"/>
+                </a:solidFill>
+              </a:rPr>
+              <a:t>53</a:t>
+            </a:r>
+          </a:p>
+        </p:txBody>
+      </p:sp>
+      <p:sp>
+        <p:nvSpPr>
+          <p:cNvPr id="5" name="Прямоугольник 4">
+            <a:extLst>
+              <a:ext uri="{FF2B5EF4-FFF2-40B4-BE49-F238E27FC236}">
+                <a16:creationId xmlns:a16="http://schemas.microsoft.com/office/drawing/2014/main" id="{1AC6FE27-A309-4690-A5CF-8B0A12E7449D}"/>
+              </a:ext>
+            </a:extLst>
+          </p:cNvPr>
+          <p:cNvSpPr/>
+          <p:nvPr/>
+        </p:nvSpPr>
+        <p:spPr>
+          <a:xfrm>
+            <a:off x="-2" y="6591670"/>
+            <a:ext cx="8590282" cy="266330"/>
+          </a:xfrm>
+          <a:prstGeom prst="rect">
+            <a:avLst/>
+          </a:prstGeom>
+          <a:solidFill>
+            <a:schemeClr val="bg1"/>
+          </a:solidFill>
+          <a:ln>
+            <a:noFill/>
+          </a:ln>
+        </p:spPr>
+        <p:style>
+          <a:lnRef idx="2">
+            <a:schemeClr val="accent1">
+              <a:shade val="50000"/>
+            </a:schemeClr>
+          </a:lnRef>
+          <a:fillRef idx="1">
+            <a:schemeClr val="accent1"/>
+          </a:fillRef>
+          <a:effectRef idx="0">
+            <a:schemeClr val="accent1"/>
+          </a:effectRef>
+          <a:fontRef idx="minor">
+            <a:schemeClr val="lt1"/>
+          </a:fontRef>
+        </p:style>
+        <p:txBody>
+          <a:bodyPr rtlCol="0" anchor="ctr"/>
+          <a:lstStyle/>
+          <a:p>
+            <a:r>
+              <a:rPr lang="ru-RU" sz="1400" dirty="0">
+                <a:solidFill>
+                  <a:srgbClr val="002060"/>
+                </a:solidFill>
+              </a:rPr>
+              <a:t>ТОО НПО Группа Компаний </a:t>
+            </a:r>
+            <a:r>
+              <a:rPr lang="en-US" sz="1400" dirty="0">
+                <a:solidFill>
+                  <a:srgbClr val="002060"/>
+                </a:solidFill>
+              </a:rPr>
+              <a:t>DOSTI</a:t>
+            </a:r>
+            <a:endParaRPr lang="ru-RU" sz="1400" dirty="0">
+              <a:solidFill>
+                <a:srgbClr val="002060"/>
+              </a:solidFill>
+            </a:endParaRPr>
+          </a:p>
+        </p:txBody>
+      </p:sp>
+      <p:sp>
+        <p:nvSpPr>
+          <p:cNvPr id="6" name="Прямоугольник 5">
+            <a:extLst>
+              <a:ext uri="{FF2B5EF4-FFF2-40B4-BE49-F238E27FC236}">
+                <a16:creationId xmlns:a16="http://schemas.microsoft.com/office/drawing/2014/main" id="{9EAAFACB-FC1F-48FD-A673-8BA92C294024}"/>
+              </a:ext>
+            </a:extLst>
+          </p:cNvPr>
+          <p:cNvSpPr/>
+          <p:nvPr/>
+        </p:nvSpPr>
+        <p:spPr>
+          <a:xfrm>
+            <a:off x="8590280" y="6591670"/>
+            <a:ext cx="3601720" cy="266330"/>
+          </a:xfrm>
+          <a:prstGeom prst="rect">
+            <a:avLst/>
+          </a:prstGeom>
+          <a:solidFill>
+            <a:schemeClr val="bg1"/>
+          </a:solidFill>
+          <a:ln>
+            <a:noFill/>
+          </a:ln>
+        </p:spPr>
+        <p:style>
+          <a:lnRef idx="2">
+            <a:schemeClr val="accent1">
+              <a:shade val="50000"/>
+            </a:schemeClr>
+          </a:lnRef>
+          <a:fillRef idx="1">
+            <a:schemeClr val="accent1"/>
+          </a:fillRef>
+          <a:effectRef idx="0">
+            <a:schemeClr val="accent1"/>
+          </a:effectRef>
+          <a:fontRef idx="minor">
+            <a:schemeClr val="lt1"/>
+          </a:fontRef>
+        </p:style>
+        <p:txBody>
+          <a:bodyPr rtlCol="0" anchor="ctr"/>
+          <a:lstStyle/>
+          <a:p>
+            <a:pPr algn="r"/>
+            <a:r>
+              <a:rPr lang="en-US" sz="1400" dirty="0">
+                <a:solidFill>
+                  <a:srgbClr val="002060"/>
+                </a:solidFill>
+              </a:rPr>
+              <a:t>2022</a:t>
+            </a:r>
+            <a:endParaRPr lang="ru-RU" sz="1400" dirty="0">
+              <a:solidFill>
+                <a:srgbClr val="002060"/>
+              </a:solidFill>
+            </a:endParaRPr>
+          </a:p>
+        </p:txBody>
+      </p:sp>
+      <p:sp>
+        <p:nvSpPr>
+          <p:cNvPr id="7" name="Объект 6">
+            <a:extLst>
+              <a:ext uri="{FF2B5EF4-FFF2-40B4-BE49-F238E27FC236}">
+                <a16:creationId xmlns:a16="http://schemas.microsoft.com/office/drawing/2014/main" id="{D63D4002-B137-4DF5-80A0-651D6FEE7093}"/>
+              </a:ext>
+            </a:extLst>
+          </p:cNvPr>
+          <p:cNvSpPr>
+            <a:spLocks noGrp="1"/>
+          </p:cNvSpPr>
+          <p:nvPr>
+            <p:ph idx="1"/>
+          </p:nvPr>
+        </p:nvSpPr>
+        <p:spPr/>
+        <p:txBody>
+          <a:bodyPr/>
+          <a:lstStyle/>
+          <a:p>
+            <a:endParaRPr lang="ru-RU"/>
+          </a:p>
+        </p:txBody>
+      </p:sp>
+    </p:spTree>
+    <p:extLst>
+      <p:ext uri="{BB962C8B-B14F-4D97-AF65-F5344CB8AC3E}">
+        <p14:creationId xmlns:p14="http://schemas.microsoft.com/office/powerpoint/2010/main" val="1239467553"/>
       </p:ext>
     </p:extLst>
   </p:cSld>
